--- a/Docs/P-P_Appro2-savaryal-ClientTwitter.pptx
+++ b/Docs/P-P_Appro2-savaryal-ClientTwitter.pptx
@@ -1,9 +1,12 @@
 
 <file path=ppt/presentation.xml><?xml version="1.0" encoding="utf-8"?>
-<p:presentation xmlns:a="http://schemas.openxmlformats.org/drawingml/2006/main" xmlns:r="http://schemas.openxmlformats.org/officeDocument/2006/relationships" xmlns:p="http://schemas.openxmlformats.org/presentationml/2006/main" autoCompressPictures="0">
+<p:presentation xmlns:a="http://schemas.openxmlformats.org/drawingml/2006/main" xmlns:r="http://schemas.openxmlformats.org/officeDocument/2006/relationships" xmlns:p="http://schemas.openxmlformats.org/presentationml/2006/main" showSpecialPlsOnTitleSld="0" autoCompressPictures="0">
   <p:sldMasterIdLst>
     <p:sldMasterId id="2147483648" r:id="rId1"/>
   </p:sldMasterIdLst>
+  <p:notesMasterIdLst>
+    <p:notesMasterId r:id="rId10"/>
+  </p:notesMasterIdLst>
   <p:sldIdLst>
     <p:sldId id="256" r:id="rId2"/>
     <p:sldId id="257" r:id="rId3"/>
@@ -119,6 +122,356 @@
 </p:presentation>
 </file>
 
+<file path=ppt/notesMasters/notesMaster1.xml><?xml version="1.0" encoding="utf-8"?>
+<p:notesMaster xmlns:a="http://schemas.openxmlformats.org/drawingml/2006/main" xmlns:r="http://schemas.openxmlformats.org/officeDocument/2006/relationships" xmlns:p="http://schemas.openxmlformats.org/presentationml/2006/main">
+  <p:cSld>
+    <p:bg>
+      <p:bgRef idx="1001">
+        <a:schemeClr val="bg1"/>
+      </p:bgRef>
+    </p:bg>
+    <p:spTree>
+      <p:nvGrpSpPr>
+        <p:cNvPr id="1" name=""/>
+        <p:cNvGrpSpPr/>
+        <p:nvPr/>
+      </p:nvGrpSpPr>
+      <p:grpSpPr>
+        <a:xfrm>
+          <a:off x="0" y="0"/>
+          <a:ext cx="0" cy="0"/>
+          <a:chOff x="0" y="0"/>
+          <a:chExt cx="0" cy="0"/>
+        </a:xfrm>
+      </p:grpSpPr>
+      <p:sp>
+        <p:nvSpPr>
+          <p:cNvPr id="2" name="Espace réservé de l'en-tête 1"/>
+          <p:cNvSpPr>
+            <a:spLocks noGrp="1"/>
+          </p:cNvSpPr>
+          <p:nvPr>
+            <p:ph type="hdr" sz="quarter"/>
+          </p:nvPr>
+        </p:nvSpPr>
+        <p:spPr>
+          <a:xfrm>
+            <a:off x="0" y="0"/>
+            <a:ext cx="2971800" cy="458788"/>
+          </a:xfrm>
+          <a:prstGeom prst="rect">
+            <a:avLst/>
+          </a:prstGeom>
+        </p:spPr>
+        <p:txBody>
+          <a:bodyPr vert="horz" lIns="91440" tIns="45720" rIns="91440" bIns="45720" rtlCol="0"/>
+          <a:lstStyle>
+            <a:lvl1pPr algn="l">
+              <a:defRPr sz="1200"/>
+            </a:lvl1pPr>
+          </a:lstStyle>
+          <a:p>
+            <a:endParaRPr lang="fr-CH"/>
+          </a:p>
+        </p:txBody>
+      </p:sp>
+      <p:sp>
+        <p:nvSpPr>
+          <p:cNvPr id="3" name="Espace réservé de la date 2"/>
+          <p:cNvSpPr>
+            <a:spLocks noGrp="1"/>
+          </p:cNvSpPr>
+          <p:nvPr>
+            <p:ph type="dt" idx="1"/>
+          </p:nvPr>
+        </p:nvSpPr>
+        <p:spPr>
+          <a:xfrm>
+            <a:off x="3884613" y="0"/>
+            <a:ext cx="2971800" cy="458788"/>
+          </a:xfrm>
+          <a:prstGeom prst="rect">
+            <a:avLst/>
+          </a:prstGeom>
+        </p:spPr>
+        <p:txBody>
+          <a:bodyPr vert="horz" lIns="91440" tIns="45720" rIns="91440" bIns="45720" rtlCol="0"/>
+          <a:lstStyle>
+            <a:lvl1pPr algn="r">
+              <a:defRPr sz="1200"/>
+            </a:lvl1pPr>
+          </a:lstStyle>
+          <a:p>
+            <a:fld id="{F5FE68CA-7A1C-434C-94A2-BA748AD3460F}" type="datetimeFigureOut">
+              <a:rPr lang="fr-CH" smtClean="0"/>
+              <a:t>26.04.2017</a:t>
+            </a:fld>
+            <a:endParaRPr lang="fr-CH"/>
+          </a:p>
+        </p:txBody>
+      </p:sp>
+      <p:sp>
+        <p:nvSpPr>
+          <p:cNvPr id="4" name="Espace réservé de l'image des diapositives 3"/>
+          <p:cNvSpPr>
+            <a:spLocks noGrp="1" noRot="1" noChangeAspect="1"/>
+          </p:cNvSpPr>
+          <p:nvPr>
+            <p:ph type="sldImg" idx="2"/>
+          </p:nvPr>
+        </p:nvSpPr>
+        <p:spPr>
+          <a:xfrm>
+            <a:off x="685800" y="1143000"/>
+            <a:ext cx="5486400" cy="3086100"/>
+          </a:xfrm>
+          <a:prstGeom prst="rect">
+            <a:avLst/>
+          </a:prstGeom>
+          <a:noFill/>
+          <a:ln w="12700">
+            <a:solidFill>
+              <a:prstClr val="black"/>
+            </a:solidFill>
+          </a:ln>
+        </p:spPr>
+        <p:txBody>
+          <a:bodyPr vert="horz" lIns="91440" tIns="45720" rIns="91440" bIns="45720" rtlCol="0" anchor="ctr"/>
+          <a:lstStyle/>
+          <a:p>
+            <a:endParaRPr lang="fr-CH"/>
+          </a:p>
+        </p:txBody>
+      </p:sp>
+      <p:sp>
+        <p:nvSpPr>
+          <p:cNvPr id="5" name="Espace réservé des notes 4"/>
+          <p:cNvSpPr>
+            <a:spLocks noGrp="1"/>
+          </p:cNvSpPr>
+          <p:nvPr>
+            <p:ph type="body" sz="quarter" idx="3"/>
+          </p:nvPr>
+        </p:nvSpPr>
+        <p:spPr>
+          <a:xfrm>
+            <a:off x="685800" y="4400550"/>
+            <a:ext cx="5486400" cy="3600450"/>
+          </a:xfrm>
+          <a:prstGeom prst="rect">
+            <a:avLst/>
+          </a:prstGeom>
+        </p:spPr>
+        <p:txBody>
+          <a:bodyPr vert="horz" lIns="91440" tIns="45720" rIns="91440" bIns="45720" rtlCol="0"/>
+          <a:lstStyle/>
+          <a:p>
+            <a:pPr lvl="0"/>
+            <a:r>
+              <a:rPr lang="fr-FR" smtClean="0"/>
+              <a:t>Modifier les styles du texte du masque</a:t>
+            </a:r>
+          </a:p>
+          <a:p>
+            <a:pPr lvl="1"/>
+            <a:r>
+              <a:rPr lang="fr-FR" smtClean="0"/>
+              <a:t>Deuxième niveau</a:t>
+            </a:r>
+          </a:p>
+          <a:p>
+            <a:pPr lvl="2"/>
+            <a:r>
+              <a:rPr lang="fr-FR" smtClean="0"/>
+              <a:t>Troisième niveau</a:t>
+            </a:r>
+          </a:p>
+          <a:p>
+            <a:pPr lvl="3"/>
+            <a:r>
+              <a:rPr lang="fr-FR" smtClean="0"/>
+              <a:t>Quatrième niveau</a:t>
+            </a:r>
+          </a:p>
+          <a:p>
+            <a:pPr lvl="4"/>
+            <a:r>
+              <a:rPr lang="fr-FR" smtClean="0"/>
+              <a:t>Cinquième niveau</a:t>
+            </a:r>
+            <a:endParaRPr lang="fr-CH"/>
+          </a:p>
+        </p:txBody>
+      </p:sp>
+      <p:sp>
+        <p:nvSpPr>
+          <p:cNvPr id="6" name="Espace réservé du pied de page 5"/>
+          <p:cNvSpPr>
+            <a:spLocks noGrp="1"/>
+          </p:cNvSpPr>
+          <p:nvPr>
+            <p:ph type="ftr" sz="quarter" idx="4"/>
+          </p:nvPr>
+        </p:nvSpPr>
+        <p:spPr>
+          <a:xfrm>
+            <a:off x="0" y="8685213"/>
+            <a:ext cx="2971800" cy="458787"/>
+          </a:xfrm>
+          <a:prstGeom prst="rect">
+            <a:avLst/>
+          </a:prstGeom>
+        </p:spPr>
+        <p:txBody>
+          <a:bodyPr vert="horz" lIns="91440" tIns="45720" rIns="91440" bIns="45720" rtlCol="0" anchor="b"/>
+          <a:lstStyle>
+            <a:lvl1pPr algn="l">
+              <a:defRPr sz="1200"/>
+            </a:lvl1pPr>
+          </a:lstStyle>
+          <a:p>
+            <a:endParaRPr lang="fr-CH"/>
+          </a:p>
+        </p:txBody>
+      </p:sp>
+      <p:sp>
+        <p:nvSpPr>
+          <p:cNvPr id="7" name="Espace réservé du numéro de diapositive 6"/>
+          <p:cNvSpPr>
+            <a:spLocks noGrp="1"/>
+          </p:cNvSpPr>
+          <p:nvPr>
+            <p:ph type="sldNum" sz="quarter" idx="5"/>
+          </p:nvPr>
+        </p:nvSpPr>
+        <p:spPr>
+          <a:xfrm>
+            <a:off x="3884613" y="8685213"/>
+            <a:ext cx="2971800" cy="458787"/>
+          </a:xfrm>
+          <a:prstGeom prst="rect">
+            <a:avLst/>
+          </a:prstGeom>
+        </p:spPr>
+        <p:txBody>
+          <a:bodyPr vert="horz" lIns="91440" tIns="45720" rIns="91440" bIns="45720" rtlCol="0" anchor="b"/>
+          <a:lstStyle>
+            <a:lvl1pPr algn="r">
+              <a:defRPr sz="1200"/>
+            </a:lvl1pPr>
+          </a:lstStyle>
+          <a:p>
+            <a:fld id="{B8022EB5-1DA3-43CB-A901-15513002D45F}" type="slidenum">
+              <a:rPr lang="fr-CH" smtClean="0"/>
+              <a:t>‹N°›</a:t>
+            </a:fld>
+            <a:endParaRPr lang="fr-CH"/>
+          </a:p>
+        </p:txBody>
+      </p:sp>
+    </p:spTree>
+    <p:extLst>
+      <p:ext uri="{BB962C8B-B14F-4D97-AF65-F5344CB8AC3E}">
+        <p14:creationId xmlns:p14="http://schemas.microsoft.com/office/powerpoint/2010/main" val="3825084487"/>
+      </p:ext>
+    </p:extLst>
+  </p:cSld>
+  <p:clrMap bg1="lt1" tx1="dk1" bg2="lt2" tx2="dk2" accent1="accent1" accent2="accent2" accent3="accent3" accent4="accent4" accent5="accent5" accent6="accent6" hlink="hlink" folHlink="folHlink"/>
+  <p:notesStyle>
+    <a:lvl1pPr marL="0" algn="l" defTabSz="914400" rtl="0" eaLnBrk="1" latinLnBrk="0" hangingPunct="1">
+      <a:defRPr sz="1200" kern="1200">
+        <a:solidFill>
+          <a:schemeClr val="tx1"/>
+        </a:solidFill>
+        <a:latin typeface="+mn-lt"/>
+        <a:ea typeface="+mn-ea"/>
+        <a:cs typeface="+mn-cs"/>
+      </a:defRPr>
+    </a:lvl1pPr>
+    <a:lvl2pPr marL="457200" algn="l" defTabSz="914400" rtl="0" eaLnBrk="1" latinLnBrk="0" hangingPunct="1">
+      <a:defRPr sz="1200" kern="1200">
+        <a:solidFill>
+          <a:schemeClr val="tx1"/>
+        </a:solidFill>
+        <a:latin typeface="+mn-lt"/>
+        <a:ea typeface="+mn-ea"/>
+        <a:cs typeface="+mn-cs"/>
+      </a:defRPr>
+    </a:lvl2pPr>
+    <a:lvl3pPr marL="914400" algn="l" defTabSz="914400" rtl="0" eaLnBrk="1" latinLnBrk="0" hangingPunct="1">
+      <a:defRPr sz="1200" kern="1200">
+        <a:solidFill>
+          <a:schemeClr val="tx1"/>
+        </a:solidFill>
+        <a:latin typeface="+mn-lt"/>
+        <a:ea typeface="+mn-ea"/>
+        <a:cs typeface="+mn-cs"/>
+      </a:defRPr>
+    </a:lvl3pPr>
+    <a:lvl4pPr marL="1371600" algn="l" defTabSz="914400" rtl="0" eaLnBrk="1" latinLnBrk="0" hangingPunct="1">
+      <a:defRPr sz="1200" kern="1200">
+        <a:solidFill>
+          <a:schemeClr val="tx1"/>
+        </a:solidFill>
+        <a:latin typeface="+mn-lt"/>
+        <a:ea typeface="+mn-ea"/>
+        <a:cs typeface="+mn-cs"/>
+      </a:defRPr>
+    </a:lvl4pPr>
+    <a:lvl5pPr marL="1828800" algn="l" defTabSz="914400" rtl="0" eaLnBrk="1" latinLnBrk="0" hangingPunct="1">
+      <a:defRPr sz="1200" kern="1200">
+        <a:solidFill>
+          <a:schemeClr val="tx1"/>
+        </a:solidFill>
+        <a:latin typeface="+mn-lt"/>
+        <a:ea typeface="+mn-ea"/>
+        <a:cs typeface="+mn-cs"/>
+      </a:defRPr>
+    </a:lvl5pPr>
+    <a:lvl6pPr marL="2286000" algn="l" defTabSz="914400" rtl="0" eaLnBrk="1" latinLnBrk="0" hangingPunct="1">
+      <a:defRPr sz="1200" kern="1200">
+        <a:solidFill>
+          <a:schemeClr val="tx1"/>
+        </a:solidFill>
+        <a:latin typeface="+mn-lt"/>
+        <a:ea typeface="+mn-ea"/>
+        <a:cs typeface="+mn-cs"/>
+      </a:defRPr>
+    </a:lvl6pPr>
+    <a:lvl7pPr marL="2743200" algn="l" defTabSz="914400" rtl="0" eaLnBrk="1" latinLnBrk="0" hangingPunct="1">
+      <a:defRPr sz="1200" kern="1200">
+        <a:solidFill>
+          <a:schemeClr val="tx1"/>
+        </a:solidFill>
+        <a:latin typeface="+mn-lt"/>
+        <a:ea typeface="+mn-ea"/>
+        <a:cs typeface="+mn-cs"/>
+      </a:defRPr>
+    </a:lvl7pPr>
+    <a:lvl8pPr marL="3200400" algn="l" defTabSz="914400" rtl="0" eaLnBrk="1" latinLnBrk="0" hangingPunct="1">
+      <a:defRPr sz="1200" kern="1200">
+        <a:solidFill>
+          <a:schemeClr val="tx1"/>
+        </a:solidFill>
+        <a:latin typeface="+mn-lt"/>
+        <a:ea typeface="+mn-ea"/>
+        <a:cs typeface="+mn-cs"/>
+      </a:defRPr>
+    </a:lvl8pPr>
+    <a:lvl9pPr marL="3657600" algn="l" defTabSz="914400" rtl="0" eaLnBrk="1" latinLnBrk="0" hangingPunct="1">
+      <a:defRPr sz="1200" kern="1200">
+        <a:solidFill>
+          <a:schemeClr val="tx1"/>
+        </a:solidFill>
+        <a:latin typeface="+mn-lt"/>
+        <a:ea typeface="+mn-ea"/>
+        <a:cs typeface="+mn-cs"/>
+      </a:defRPr>
+    </a:lvl9pPr>
+  </p:notesStyle>
+</p:notesMaster>
+</file>
+
 <file path=ppt/slideLayouts/slideLayout1.xml><?xml version="1.0" encoding="utf-8"?>
 <p:sldLayout xmlns:a="http://schemas.openxmlformats.org/drawingml/2006/main" xmlns:r="http://schemas.openxmlformats.org/officeDocument/2006/relationships" xmlns:p="http://schemas.openxmlformats.org/presentationml/2006/main" showMasterSp="0" type="title" preserve="1">
   <p:cSld name="Diapositive de titre">
@@ -806,10 +1159,9 @@
             </a:lvl1pPr>
           </a:lstStyle>
           <a:p>
-            <a:fld id="{D200B3F0-A9BC-48CE-8EB6-ECE965069900}" type="datetimeFigureOut">
-              <a:rPr lang="en-US" dirty="0"/>
-              <a:pPr/>
-              <a:t>4/25/2017</a:t>
+            <a:fld id="{6068EDC7-9A34-4106-9CDE-234C56D1D33F}" type="datetime1">
+              <a:rPr lang="en-US" smtClean="0"/>
+              <a:t>4/26/2017</a:t>
             </a:fld>
             <a:endParaRPr lang="en-US" dirty="0"/>
           </a:p>
@@ -844,10 +1196,10 @@
           </a:lstStyle>
           <a:p>
             <a:r>
-              <a:rPr lang="en-US" dirty="0"/>
-              <a:t>
-              </a:t>
-            </a:r>
+              <a:rPr lang="en-US" smtClean="0"/>
+              <a:t>27.04.2017</a:t>
+            </a:r>
+            <a:endParaRPr lang="en-US" dirty="0"/>
           </a:p>
         </p:txBody>
       </p:sp>
@@ -1968,9 +2320,9 @@
           <a:bodyPr/>
           <a:lstStyle/>
           <a:p>
-            <a:fld id="{3DF9FFFF-3106-4DDB-AA62-0C80862170D6}" type="datetimeFigureOut">
-              <a:rPr lang="en-US" dirty="0"/>
-              <a:t>4/25/2017</a:t>
+            <a:fld id="{8DEA92C3-9762-47BD-9E81-9BA7B20C565D}" type="datetime1">
+              <a:rPr lang="en-US" smtClean="0"/>
+              <a:t>4/26/2017</a:t>
             </a:fld>
             <a:endParaRPr lang="en-US" dirty="0"/>
           </a:p>
@@ -1992,10 +2344,10 @@
           <a:lstStyle/>
           <a:p>
             <a:r>
-              <a:rPr lang="en-US" dirty="0"/>
-              <a:t>
-              </a:t>
-            </a:r>
+              <a:rPr lang="en-US" smtClean="0"/>
+              <a:t>27.04.2017</a:t>
+            </a:r>
+            <a:endParaRPr lang="en-US" dirty="0"/>
           </a:p>
         </p:txBody>
       </p:sp>
@@ -3022,9 +3374,9 @@
           <a:bodyPr/>
           <a:lstStyle/>
           <a:p>
-            <a:fld id="{A3DA38B7-AE95-4DC8-9A51-7A71F545B098}" type="datetimeFigureOut">
-              <a:rPr lang="en-US" dirty="0"/>
-              <a:t>4/25/2017</a:t>
+            <a:fld id="{463C22C2-7EA4-4DF9-926C-52BD3662F733}" type="datetime1">
+              <a:rPr lang="en-US" smtClean="0"/>
+              <a:t>4/26/2017</a:t>
             </a:fld>
             <a:endParaRPr lang="en-US" dirty="0"/>
           </a:p>
@@ -3046,10 +3398,10 @@
           <a:lstStyle/>
           <a:p>
             <a:r>
-              <a:rPr lang="en-US" dirty="0"/>
-              <a:t>
-              </a:t>
-            </a:r>
+              <a:rPr lang="en-US" smtClean="0"/>
+              <a:t>27.04.2017</a:t>
+            </a:r>
+            <a:endParaRPr lang="en-US" dirty="0"/>
           </a:p>
         </p:txBody>
       </p:sp>
@@ -4235,9 +4587,9 @@
           <a:bodyPr/>
           <a:lstStyle/>
           <a:p>
-            <a:fld id="{86F1EC2B-8188-4AC2-9F0D-8D09C51D505A}" type="datetimeFigureOut">
-              <a:rPr lang="en-US" dirty="0"/>
-              <a:t>4/25/2017</a:t>
+            <a:fld id="{9E6A75DB-7E45-44BF-9445-296F671B94ED}" type="datetime1">
+              <a:rPr lang="en-US" smtClean="0"/>
+              <a:t>4/26/2017</a:t>
             </a:fld>
             <a:endParaRPr lang="en-US" dirty="0"/>
           </a:p>
@@ -4259,10 +4611,10 @@
           <a:lstStyle/>
           <a:p>
             <a:r>
-              <a:rPr lang="en-US" dirty="0"/>
-              <a:t>
-              </a:t>
-            </a:r>
+              <a:rPr lang="en-US" smtClean="0"/>
+              <a:t>27.04.2017</a:t>
+            </a:r>
+            <a:endParaRPr lang="en-US" dirty="0"/>
           </a:p>
         </p:txBody>
       </p:sp>
@@ -5339,9 +5691,9 @@
           <a:bodyPr/>
           <a:lstStyle/>
           <a:p>
-            <a:fld id="{9212B75E-944F-430B-BE5F-C69FA8823C04}" type="datetimeFigureOut">
-              <a:rPr lang="en-US" dirty="0"/>
-              <a:t>4/25/2017</a:t>
+            <a:fld id="{9301E342-D0F6-4047-A7D0-F99587C50DF3}" type="datetime1">
+              <a:rPr lang="en-US" smtClean="0"/>
+              <a:t>4/26/2017</a:t>
             </a:fld>
             <a:endParaRPr lang="en-US" dirty="0"/>
           </a:p>
@@ -5363,10 +5715,10 @@
           <a:lstStyle/>
           <a:p>
             <a:r>
-              <a:rPr lang="en-US" dirty="0"/>
-              <a:t>
-              </a:t>
-            </a:r>
+              <a:rPr lang="en-US" smtClean="0"/>
+              <a:t>27.04.2017</a:t>
+            </a:r>
+            <a:endParaRPr lang="en-US" dirty="0"/>
           </a:p>
         </p:txBody>
       </p:sp>
@@ -5991,9 +6343,9 @@
           <a:bodyPr/>
           <a:lstStyle/>
           <a:p>
-            <a:fld id="{79AE0DC7-7F53-471C-A711-B3DA6F2535F3}" type="datetimeFigureOut">
-              <a:rPr lang="en-US" dirty="0"/>
-              <a:t>4/25/2017</a:t>
+            <a:fld id="{F3815C40-0368-4CA8-BFFD-A0AF103AF223}" type="datetime1">
+              <a:rPr lang="en-US" smtClean="0"/>
+              <a:t>4/26/2017</a:t>
             </a:fld>
             <a:endParaRPr lang="en-US" dirty="0"/>
           </a:p>
@@ -6015,10 +6367,10 @@
           <a:lstStyle/>
           <a:p>
             <a:r>
-              <a:rPr lang="en-US" dirty="0"/>
-              <a:t>
-              </a:t>
-            </a:r>
+              <a:rPr lang="en-US" smtClean="0"/>
+              <a:t>27.04.2017</a:t>
+            </a:r>
+            <a:endParaRPr lang="en-US" dirty="0"/>
           </a:p>
         </p:txBody>
       </p:sp>
@@ -6838,9 +7190,9 @@
           <a:bodyPr/>
           <a:lstStyle/>
           <a:p>
-            <a:fld id="{3C1F4C9D-4618-451D-80C1-6A376BB42AB4}" type="datetimeFigureOut">
-              <a:rPr lang="en-US" dirty="0"/>
-              <a:t>4/25/2017</a:t>
+            <a:fld id="{B01F7B14-54F1-45E8-A3C2-6AF534D099F6}" type="datetime1">
+              <a:rPr lang="en-US" smtClean="0"/>
+              <a:t>4/26/2017</a:t>
             </a:fld>
             <a:endParaRPr lang="en-US" dirty="0"/>
           </a:p>
@@ -6862,10 +7214,10 @@
           <a:lstStyle/>
           <a:p>
             <a:r>
-              <a:rPr lang="en-US" dirty="0"/>
-              <a:t>
-              </a:t>
-            </a:r>
+              <a:rPr lang="en-US" smtClean="0"/>
+              <a:t>27.04.2017</a:t>
+            </a:r>
+            <a:endParaRPr lang="en-US" dirty="0"/>
           </a:p>
         </p:txBody>
       </p:sp>
@@ -7023,9 +7375,9 @@
           <a:bodyPr/>
           <a:lstStyle/>
           <a:p>
-            <a:fld id="{F54D2318-CE40-42F6-962A-4C6D6CF697DB}" type="datetimeFigureOut">
-              <a:rPr lang="en-US" dirty="0"/>
-              <a:t>4/25/2017</a:t>
+            <a:fld id="{5A70E458-FB37-4C86-83E5-B7C5A4AFC944}" type="datetime1">
+              <a:rPr lang="en-US" smtClean="0"/>
+              <a:t>4/26/2017</a:t>
             </a:fld>
             <a:endParaRPr lang="en-US" dirty="0"/>
           </a:p>
@@ -7047,10 +7399,10 @@
           <a:lstStyle/>
           <a:p>
             <a:r>
-              <a:rPr lang="en-US" dirty="0"/>
-              <a:t>
-              </a:t>
-            </a:r>
+              <a:rPr lang="en-US" smtClean="0"/>
+              <a:t>27.04.2017</a:t>
+            </a:r>
+            <a:endParaRPr lang="en-US" dirty="0"/>
           </a:p>
         </p:txBody>
       </p:sp>
@@ -8064,9 +8416,9 @@
           <a:bodyPr/>
           <a:lstStyle/>
           <a:p>
-            <a:fld id="{0C476AC1-EB7F-4BEF-90D9-5764B50DAF8A}" type="datetimeFigureOut">
-              <a:rPr lang="en-US" dirty="0"/>
-              <a:t>4/25/2017</a:t>
+            <a:fld id="{6DC6822C-EC97-4A1E-9584-496E03345ECE}" type="datetime1">
+              <a:rPr lang="en-US" smtClean="0"/>
+              <a:t>4/26/2017</a:t>
             </a:fld>
             <a:endParaRPr lang="en-US" dirty="0"/>
           </a:p>
@@ -8088,10 +8440,10 @@
           <a:lstStyle/>
           <a:p>
             <a:r>
-              <a:rPr lang="en-US" dirty="0"/>
-              <a:t>
-              </a:t>
-            </a:r>
+              <a:rPr lang="en-US" smtClean="0"/>
+              <a:t>27.04.2017</a:t>
+            </a:r>
+            <a:endParaRPr lang="en-US" dirty="0"/>
           </a:p>
         </p:txBody>
       </p:sp>
@@ -8280,9 +8632,9 @@
           <a:bodyPr/>
           <a:lstStyle/>
           <a:p>
-            <a:fld id="{1B20712A-F861-4AB0-A754-4F5A2033CD4B}" type="datetimeFigureOut">
-              <a:rPr lang="en-US" dirty="0"/>
-              <a:t>4/25/2017</a:t>
+            <a:fld id="{7867998A-7168-42CD-A22B-745E76B236BE}" type="datetime1">
+              <a:rPr lang="en-US" smtClean="0"/>
+              <a:t>4/26/2017</a:t>
             </a:fld>
             <a:endParaRPr lang="en-US" dirty="0"/>
           </a:p>
@@ -8304,10 +8656,10 @@
           <a:lstStyle/>
           <a:p>
             <a:r>
-              <a:rPr lang="en-US" dirty="0"/>
-              <a:t>
-              </a:t>
-            </a:r>
+              <a:rPr lang="en-US" smtClean="0"/>
+              <a:t>27.04.2017</a:t>
+            </a:r>
+            <a:endParaRPr lang="en-US" dirty="0"/>
           </a:p>
         </p:txBody>
       </p:sp>
@@ -9385,9 +9737,9 @@
           <a:bodyPr/>
           <a:lstStyle/>
           <a:p>
-            <a:fld id="{324507B7-F2DC-4B2C-B14D-58A9766807A2}" type="datetimeFigureOut">
-              <a:rPr lang="en-US" dirty="0"/>
-              <a:t>4/25/2017</a:t>
+            <a:fld id="{8582F2B4-BAAA-4BE7-AE4E-95F875B49342}" type="datetime1">
+              <a:rPr lang="en-US" smtClean="0"/>
+              <a:t>4/26/2017</a:t>
             </a:fld>
             <a:endParaRPr lang="en-US" dirty="0"/>
           </a:p>
@@ -9409,10 +9761,10 @@
           <a:lstStyle/>
           <a:p>
             <a:r>
-              <a:rPr lang="en-US" dirty="0"/>
-              <a:t>
-              </a:t>
-            </a:r>
+              <a:rPr lang="en-US" smtClean="0"/>
+              <a:t>27.04.2017</a:t>
+            </a:r>
+            <a:endParaRPr lang="en-US" dirty="0"/>
           </a:p>
         </p:txBody>
       </p:sp>
@@ -9657,9 +10009,9 @@
           <a:bodyPr/>
           <a:lstStyle/>
           <a:p>
-            <a:fld id="{904A483D-5CB4-4842-8F2F-05D5276ACF63}" type="datetimeFigureOut">
-              <a:rPr lang="en-US" dirty="0"/>
-              <a:t>4/25/2017</a:t>
+            <a:fld id="{37FF163F-612E-4AC9-A3D0-30E1D10DCF82}" type="datetime1">
+              <a:rPr lang="en-US" smtClean="0"/>
+              <a:t>4/26/2017</a:t>
             </a:fld>
             <a:endParaRPr lang="en-US" dirty="0"/>
           </a:p>
@@ -9681,10 +10033,10 @@
           <a:lstStyle/>
           <a:p>
             <a:r>
-              <a:rPr lang="en-US" dirty="0"/>
-              <a:t>
-              </a:t>
-            </a:r>
+              <a:rPr lang="en-US" smtClean="0"/>
+              <a:t>27.04.2017</a:t>
+            </a:r>
+            <a:endParaRPr lang="en-US" dirty="0"/>
           </a:p>
         </p:txBody>
       </p:sp>
@@ -10039,9 +10391,9 @@
           <a:bodyPr/>
           <a:lstStyle/>
           <a:p>
-            <a:fld id="{1D1CE32E-9DC0-47C8-A657-48F5C3E4A10B}" type="datetimeFigureOut">
-              <a:rPr lang="en-US" dirty="0"/>
-              <a:t>4/25/2017</a:t>
+            <a:fld id="{DADE938C-80E2-4660-A88C-2D1C731AD82C}" type="datetime1">
+              <a:rPr lang="en-US" smtClean="0"/>
+              <a:t>4/26/2017</a:t>
             </a:fld>
             <a:endParaRPr lang="en-US" dirty="0"/>
           </a:p>
@@ -10063,10 +10415,10 @@
           <a:lstStyle/>
           <a:p>
             <a:r>
-              <a:rPr lang="en-US" dirty="0"/>
-              <a:t>
-              </a:t>
-            </a:r>
+              <a:rPr lang="en-US" smtClean="0"/>
+              <a:t>27.04.2017</a:t>
+            </a:r>
+            <a:endParaRPr lang="en-US" dirty="0"/>
           </a:p>
         </p:txBody>
       </p:sp>
@@ -10157,9 +10509,9 @@
           <a:bodyPr/>
           <a:lstStyle/>
           <a:p>
-            <a:fld id="{2BDF5C0D-8C3A-4771-A43D-83937FC700D4}" type="datetimeFigureOut">
-              <a:rPr lang="en-US" dirty="0"/>
-              <a:t>4/25/2017</a:t>
+            <a:fld id="{4F802D82-8492-4C24-AFB0-49B0280ECF0B}" type="datetime1">
+              <a:rPr lang="en-US" smtClean="0"/>
+              <a:t>4/26/2017</a:t>
             </a:fld>
             <a:endParaRPr lang="en-US" dirty="0"/>
           </a:p>
@@ -10181,10 +10533,10 @@
           <a:lstStyle/>
           <a:p>
             <a:r>
-              <a:rPr lang="en-US" dirty="0"/>
-              <a:t>
-              </a:t>
-            </a:r>
+              <a:rPr lang="en-US" smtClean="0"/>
+              <a:t>27.04.2017</a:t>
+            </a:r>
+            <a:endParaRPr lang="en-US" dirty="0"/>
           </a:p>
         </p:txBody>
       </p:sp>
@@ -10252,9 +10604,9 @@
           <a:bodyPr/>
           <a:lstStyle/>
           <a:p>
-            <a:fld id="{0203D2D6-FCC2-425A-A4A7-8058E8C01CB1}" type="datetimeFigureOut">
-              <a:rPr lang="en-US" dirty="0"/>
-              <a:t>4/25/2017</a:t>
+            <a:fld id="{0597BE7C-1047-47EF-B4A4-05DB0DC84BF4}" type="datetime1">
+              <a:rPr lang="en-US" smtClean="0"/>
+              <a:t>4/26/2017</a:t>
             </a:fld>
             <a:endParaRPr lang="en-US" dirty="0"/>
           </a:p>
@@ -10276,10 +10628,10 @@
           <a:lstStyle/>
           <a:p>
             <a:r>
-              <a:rPr lang="en-US" dirty="0"/>
-              <a:t>
-              </a:t>
-            </a:r>
+              <a:rPr lang="en-US" smtClean="0"/>
+              <a:t>27.04.2017</a:t>
+            </a:r>
+            <a:endParaRPr lang="en-US" dirty="0"/>
           </a:p>
         </p:txBody>
       </p:sp>
@@ -11404,9 +11756,9 @@
           <a:bodyPr/>
           <a:lstStyle/>
           <a:p>
-            <a:fld id="{D8CF2683-E6E7-4CC3-9EEE-7854DD4F3545}" type="datetimeFigureOut">
-              <a:rPr lang="en-US" dirty="0"/>
-              <a:t>4/25/2017</a:t>
+            <a:fld id="{FC9D9BBF-1CB3-46A6-AF5E-CAD0A91CAF26}" type="datetime1">
+              <a:rPr lang="en-US" smtClean="0"/>
+              <a:t>4/26/2017</a:t>
             </a:fld>
             <a:endParaRPr lang="en-US" dirty="0"/>
           </a:p>
@@ -11428,10 +11780,10 @@
           <a:lstStyle/>
           <a:p>
             <a:r>
-              <a:rPr lang="en-US" dirty="0"/>
-              <a:t>
-              </a:t>
-            </a:r>
+              <a:rPr lang="en-US" smtClean="0"/>
+              <a:t>27.04.2017</a:t>
+            </a:r>
+            <a:endParaRPr lang="en-US" dirty="0"/>
           </a:p>
         </p:txBody>
       </p:sp>
@@ -12580,9 +12932,9 @@
           <a:bodyPr/>
           <a:lstStyle/>
           <a:p>
-            <a:fld id="{7E120F81-B39D-4CBB-8BF3-5D6E395D0F72}" type="datetimeFigureOut">
-              <a:rPr lang="en-US" dirty="0"/>
-              <a:t>4/25/2017</a:t>
+            <a:fld id="{ED6AD866-8711-43A9-A9ED-8CE775925362}" type="datetime1">
+              <a:rPr lang="en-US" smtClean="0"/>
+              <a:t>4/26/2017</a:t>
             </a:fld>
             <a:endParaRPr lang="en-US" dirty="0"/>
           </a:p>
@@ -12604,10 +12956,10 @@
           <a:lstStyle/>
           <a:p>
             <a:r>
-              <a:rPr lang="en-US" dirty="0"/>
-              <a:t>
-              </a:t>
-            </a:r>
+              <a:rPr lang="en-US" smtClean="0"/>
+              <a:t>27.04.2017</a:t>
+            </a:r>
+            <a:endParaRPr lang="en-US" dirty="0"/>
           </a:p>
         </p:txBody>
       </p:sp>
@@ -13652,10 +14004,10 @@
           </a:lstStyle>
           <a:p>
             <a:r>
-              <a:rPr lang="en-US" dirty="0"/>
-              <a:t>
-              </a:t>
-            </a:r>
+              <a:rPr lang="en-US" smtClean="0"/>
+              <a:t>27.04.2017</a:t>
+            </a:r>
+            <a:endParaRPr lang="en-US" dirty="0"/>
           </a:p>
         </p:txBody>
       </p:sp>
@@ -13690,9 +14042,9 @@
             </a:lvl1pPr>
           </a:lstStyle>
           <a:p>
-            <a:fld id="{564B320A-89BA-47B2-A525-92E8D10B06E4}" type="datetimeFigureOut">
-              <a:rPr lang="en-US" dirty="0"/>
-              <a:t>4/25/2017</a:t>
+            <a:fld id="{F100E650-A824-479F-B07B-6F97BB653EDC}" type="datetime1">
+              <a:rPr lang="en-US" smtClean="0"/>
+              <a:t>4/26/2017</a:t>
             </a:fld>
             <a:endParaRPr lang="en-US" dirty="0"/>
           </a:p>
@@ -13796,7 +14148,7 @@
     <p:sldLayoutId id="2147483658" r:id="rId16"/>
     <p:sldLayoutId id="2147483659" r:id="rId17"/>
   </p:sldLayoutIdLst>
-  <p:hf sldNum="0" hdr="0" ftr="0" dt="0"/>
+  <p:hf sldNum="0" hdr="0" dt="0"/>
   <p:txStyles>
     <p:titleStyle>
       <a:lvl1pPr algn="l" defTabSz="457200" rtl="0" eaLnBrk="1" latinLnBrk="0" hangingPunct="1">
@@ -14328,37 +14680,37 @@
           <a:lstStyle/>
           <a:p>
             <a:r>
-              <a:rPr lang="fr-CH" dirty="0" smtClean="0"/>
+              <a:rPr lang="fr-CH" sz="2400" dirty="0" smtClean="0"/>
               <a:t>Introduction</a:t>
             </a:r>
           </a:p>
           <a:p>
             <a:r>
-              <a:rPr lang="fr-CH" dirty="0" smtClean="0"/>
+              <a:rPr lang="fr-CH" sz="2400" dirty="0" smtClean="0"/>
               <a:t>Planification</a:t>
             </a:r>
           </a:p>
           <a:p>
             <a:r>
-              <a:rPr lang="fr-CH" dirty="0" smtClean="0"/>
+              <a:rPr lang="fr-CH" sz="2400" dirty="0" smtClean="0"/>
               <a:t>API</a:t>
             </a:r>
           </a:p>
           <a:p>
             <a:r>
-              <a:rPr lang="fr-CH" dirty="0" smtClean="0"/>
+              <a:rPr lang="fr-CH" sz="2400" dirty="0" smtClean="0"/>
               <a:t>Réalisation</a:t>
             </a:r>
           </a:p>
           <a:p>
             <a:r>
-              <a:rPr lang="fr-CH" dirty="0" smtClean="0"/>
+              <a:rPr lang="fr-CH" sz="2400" dirty="0" smtClean="0"/>
               <a:t>Problèmes / Solutions / Choix</a:t>
             </a:r>
           </a:p>
           <a:p>
             <a:r>
-              <a:rPr lang="fr-CH" dirty="0" smtClean="0"/>
+              <a:rPr lang="fr-CH" sz="2400" dirty="0" smtClean="0"/>
               <a:t>Conclusion</a:t>
             </a:r>
           </a:p>
@@ -14367,6 +14719,164 @@
           </a:p>
         </p:txBody>
       </p:sp>
+      <p:sp>
+        <p:nvSpPr>
+          <p:cNvPr id="4" name="Espace réservé du pied de page 3"/>
+          <p:cNvSpPr>
+            <a:spLocks noGrp="1"/>
+          </p:cNvSpPr>
+          <p:nvPr>
+            <p:ph type="ftr" sz="quarter" idx="11"/>
+          </p:nvPr>
+        </p:nvSpPr>
+        <p:spPr/>
+        <p:txBody>
+          <a:bodyPr/>
+          <a:lstStyle/>
+          <a:p>
+            <a:r>
+              <a:rPr lang="en-US" dirty="0" smtClean="0"/>
+              <a:t>27.04.2017</a:t>
+            </a:r>
+            <a:endParaRPr lang="en-US" dirty="0"/>
+          </a:p>
+        </p:txBody>
+      </p:sp>
+      <p:pic>
+        <p:nvPicPr>
+          <p:cNvPr id="5" name="Image 4"/>
+          <p:cNvPicPr>
+            <a:picLocks noChangeAspect="1"/>
+          </p:cNvPicPr>
+          <p:nvPr/>
+        </p:nvPicPr>
+        <p:blipFill>
+          <a:blip r:embed="rId2">
+            <a:extLst>
+              <a:ext uri="{28A0092B-C50C-407E-A947-70E740481C1C}">
+                <a14:useLocalDpi xmlns:a14="http://schemas.microsoft.com/office/drawing/2010/main" val="0"/>
+              </a:ext>
+            </a:extLst>
+          </a:blip>
+          <a:stretch>
+            <a:fillRect/>
+          </a:stretch>
+        </p:blipFill>
+        <p:spPr>
+          <a:xfrm>
+            <a:off x="7131615" y="2350170"/>
+            <a:ext cx="3922959" cy="3922959"/>
+          </a:xfrm>
+          <a:prstGeom prst="rect">
+            <a:avLst/>
+          </a:prstGeom>
+        </p:spPr>
+      </p:pic>
+      <p:cxnSp>
+        <p:nvCxnSpPr>
+          <p:cNvPr id="8" name="Connecteur droit 7"/>
+          <p:cNvCxnSpPr/>
+          <p:nvPr/>
+        </p:nvCxnSpPr>
+        <p:spPr>
+          <a:xfrm>
+            <a:off x="9753596" y="3529009"/>
+            <a:ext cx="2381" cy="57150"/>
+          </a:xfrm>
+          <a:prstGeom prst="line">
+            <a:avLst/>
+          </a:prstGeom>
+          <a:ln>
+            <a:solidFill>
+              <a:schemeClr val="bg1"/>
+            </a:solidFill>
+          </a:ln>
+        </p:spPr>
+        <p:style>
+          <a:lnRef idx="1">
+            <a:schemeClr val="accent1"/>
+          </a:lnRef>
+          <a:fillRef idx="0">
+            <a:schemeClr val="accent1"/>
+          </a:fillRef>
+          <a:effectRef idx="0">
+            <a:schemeClr val="accent1"/>
+          </a:effectRef>
+          <a:fontRef idx="minor">
+            <a:schemeClr val="tx1"/>
+          </a:fontRef>
+        </p:style>
+      </p:cxnSp>
+      <p:cxnSp>
+        <p:nvCxnSpPr>
+          <p:cNvPr id="11" name="Connecteur droit 10"/>
+          <p:cNvCxnSpPr/>
+          <p:nvPr/>
+        </p:nvCxnSpPr>
+        <p:spPr>
+          <a:xfrm>
+            <a:off x="9746449" y="3526626"/>
+            <a:ext cx="2381" cy="57150"/>
+          </a:xfrm>
+          <a:prstGeom prst="line">
+            <a:avLst/>
+          </a:prstGeom>
+          <a:ln>
+            <a:solidFill>
+              <a:schemeClr val="bg1"/>
+            </a:solidFill>
+          </a:ln>
+        </p:spPr>
+        <p:style>
+          <a:lnRef idx="1">
+            <a:schemeClr val="accent1"/>
+          </a:lnRef>
+          <a:fillRef idx="0">
+            <a:schemeClr val="accent1"/>
+          </a:fillRef>
+          <a:effectRef idx="0">
+            <a:schemeClr val="accent1"/>
+          </a:effectRef>
+          <a:fontRef idx="minor">
+            <a:schemeClr val="tx1"/>
+          </a:fontRef>
+        </p:style>
+      </p:cxnSp>
+      <p:cxnSp>
+        <p:nvCxnSpPr>
+          <p:cNvPr id="12" name="Connecteur droit 11"/>
+          <p:cNvCxnSpPr/>
+          <p:nvPr/>
+        </p:nvCxnSpPr>
+        <p:spPr>
+          <a:xfrm>
+            <a:off x="9758350" y="3524243"/>
+            <a:ext cx="2381" cy="57150"/>
+          </a:xfrm>
+          <a:prstGeom prst="line">
+            <a:avLst/>
+          </a:prstGeom>
+          <a:ln>
+            <a:solidFill>
+              <a:schemeClr val="bg1"/>
+            </a:solidFill>
+          </a:ln>
+        </p:spPr>
+        <p:style>
+          <a:lnRef idx="1">
+            <a:schemeClr val="accent1"/>
+          </a:lnRef>
+          <a:fillRef idx="0">
+            <a:schemeClr val="accent1"/>
+          </a:fillRef>
+          <a:effectRef idx="0">
+            <a:schemeClr val="accent1"/>
+          </a:effectRef>
+          <a:fontRef idx="minor">
+            <a:schemeClr val="tx1"/>
+          </a:fontRef>
+        </p:style>
+      </p:cxnSp>
     </p:spTree>
     <p:extLst>
       <p:ext uri="{BB962C8B-B14F-4D97-AF65-F5344CB8AC3E}">
@@ -14430,44 +14940,77 @@
             <p:ph idx="1"/>
           </p:nvPr>
         </p:nvSpPr>
+        <p:spPr>
+          <a:xfrm>
+            <a:off x="1154954" y="2603500"/>
+            <a:ext cx="10449613" cy="3416300"/>
+          </a:xfrm>
+        </p:spPr>
+        <p:txBody>
+          <a:bodyPr>
+            <a:normAutofit/>
+          </a:bodyPr>
+          <a:lstStyle/>
+          <a:p>
+            <a:r>
+              <a:rPr lang="fr-CH" sz="2400" dirty="0" smtClean="0"/>
+              <a:t>Client Twitter C#</a:t>
+            </a:r>
+          </a:p>
+          <a:p>
+            <a:r>
+              <a:rPr lang="fr-CH" sz="2400" dirty="0" smtClean="0"/>
+              <a:t>Windows </a:t>
+            </a:r>
+            <a:r>
+              <a:rPr lang="fr-CH" sz="2400" dirty="0" err="1" smtClean="0"/>
+              <a:t>Forms</a:t>
+            </a:r>
+            <a:endParaRPr lang="fr-CH" sz="2400" dirty="0" smtClean="0"/>
+          </a:p>
+          <a:p>
+            <a:r>
+              <a:rPr lang="fr-CH" sz="2400" dirty="0" smtClean="0"/>
+              <a:t>API Twitter</a:t>
+            </a:r>
+          </a:p>
+          <a:p>
+            <a:r>
+              <a:rPr lang="fr-CH" sz="2400" dirty="0" smtClean="0"/>
+              <a:t>Tweeter / </a:t>
+            </a:r>
+            <a:r>
+              <a:rPr lang="fr-CH" sz="2400" dirty="0"/>
+              <a:t>V</a:t>
+            </a:r>
+            <a:r>
+              <a:rPr lang="fr-CH" sz="2400" dirty="0" smtClean="0"/>
+              <a:t>oir les tweets, abonnements et abonnés / Retweeter / Aimer</a:t>
+            </a:r>
+            <a:endParaRPr lang="fr-CH" sz="2400" dirty="0"/>
+          </a:p>
+        </p:txBody>
+      </p:sp>
+      <p:sp>
+        <p:nvSpPr>
+          <p:cNvPr id="4" name="Espace réservé du pied de page 3"/>
+          <p:cNvSpPr>
+            <a:spLocks noGrp="1"/>
+          </p:cNvSpPr>
+          <p:nvPr>
+            <p:ph type="ftr" sz="quarter" idx="11"/>
+          </p:nvPr>
+        </p:nvSpPr>
         <p:spPr/>
         <p:txBody>
           <a:bodyPr/>
           <a:lstStyle/>
           <a:p>
             <a:r>
-              <a:rPr lang="fr-CH" dirty="0" smtClean="0"/>
-              <a:t>Client Twitter C#</a:t>
-            </a:r>
-          </a:p>
-          <a:p>
-            <a:r>
-              <a:rPr lang="fr-CH" dirty="0" smtClean="0"/>
-              <a:t>API </a:t>
-            </a:r>
-            <a:r>
-              <a:rPr lang="fr-CH" dirty="0" smtClean="0"/>
-              <a:t>Twitter</a:t>
-            </a:r>
-          </a:p>
-          <a:p>
-            <a:r>
-              <a:rPr lang="fr-CH" dirty="0" smtClean="0"/>
-              <a:t>Tweeter / </a:t>
-            </a:r>
-            <a:r>
-              <a:rPr lang="fr-CH" dirty="0"/>
-              <a:t>V</a:t>
-            </a:r>
-            <a:r>
-              <a:rPr lang="fr-CH" dirty="0" smtClean="0"/>
-              <a:t>oir les tweets, abonnements et abonnés / Retweeter </a:t>
-            </a:r>
-            <a:r>
-              <a:rPr lang="fr-CH" smtClean="0"/>
-              <a:t>/ Aimer</a:t>
-            </a:r>
-            <a:endParaRPr lang="fr-CH" dirty="0"/>
+              <a:rPr lang="en-US" smtClean="0"/>
+              <a:t>27.04.2017</a:t>
+            </a:r>
+            <a:endParaRPr lang="en-US" dirty="0"/>
           </a:p>
         </p:txBody>
       </p:sp>
@@ -14542,7 +15085,7 @@
         </p:blipFill>
         <p:spPr>
           <a:xfrm>
-            <a:off x="6837495" y="2603500"/>
+            <a:off x="3671200" y="2603500"/>
             <a:ext cx="4849600" cy="3863802"/>
           </a:xfrm>
           <a:prstGeom prst="rect">
@@ -14550,6 +15093,77 @@
           </a:prstGeom>
         </p:spPr>
       </p:pic>
+      <p:sp>
+        <p:nvSpPr>
+          <p:cNvPr id="3" name="Espace réservé du pied de page 2"/>
+          <p:cNvSpPr>
+            <a:spLocks noGrp="1"/>
+          </p:cNvSpPr>
+          <p:nvPr>
+            <p:ph type="ftr" sz="quarter" idx="11"/>
+          </p:nvPr>
+        </p:nvSpPr>
+        <p:spPr/>
+        <p:txBody>
+          <a:bodyPr/>
+          <a:lstStyle/>
+          <a:p>
+            <a:r>
+              <a:rPr lang="en-US" smtClean="0"/>
+              <a:t>27.04.2017</a:t>
+            </a:r>
+            <a:endParaRPr lang="en-US" dirty="0"/>
+          </a:p>
+        </p:txBody>
+      </p:sp>
+      <p:sp>
+        <p:nvSpPr>
+          <p:cNvPr id="7" name="Rectangle 6"/>
+          <p:cNvSpPr/>
+          <p:nvPr/>
+        </p:nvSpPr>
+        <p:spPr>
+          <a:xfrm>
+            <a:off x="8520800" y="2528515"/>
+            <a:ext cx="45719" cy="3938787"/>
+          </a:xfrm>
+          <a:prstGeom prst="rect">
+            <a:avLst/>
+          </a:prstGeom>
+          <a:solidFill>
+            <a:schemeClr val="bg1"/>
+          </a:solidFill>
+          <a:ln>
+            <a:solidFill>
+              <a:schemeClr val="bg1"/>
+            </a:solidFill>
+          </a:ln>
+        </p:spPr>
+        <p:style>
+          <a:lnRef idx="2">
+            <a:schemeClr val="accent1">
+              <a:shade val="50000"/>
+            </a:schemeClr>
+          </a:lnRef>
+          <a:fillRef idx="1">
+            <a:schemeClr val="accent1"/>
+          </a:fillRef>
+          <a:effectRef idx="0">
+            <a:schemeClr val="accent1"/>
+          </a:effectRef>
+          <a:fontRef idx="minor">
+            <a:schemeClr val="lt1"/>
+          </a:fontRef>
+        </p:style>
+        <p:txBody>
+          <a:bodyPr rtlCol="0" anchor="ctr"/>
+          <a:lstStyle/>
+          <a:p>
+            <a:pPr algn="ctr"/>
+            <a:endParaRPr lang="fr-CH"/>
+          </a:p>
+        </p:txBody>
+      </p:sp>
     </p:spTree>
     <p:extLst>
       <p:ext uri="{BB962C8B-B14F-4D97-AF65-F5344CB8AC3E}">
@@ -14615,10 +15229,67 @@
         </p:nvSpPr>
         <p:spPr/>
         <p:txBody>
+          <a:bodyPr>
+            <a:normAutofit/>
+          </a:bodyPr>
+          <a:lstStyle/>
+          <a:p>
+            <a:r>
+              <a:rPr lang="fr-CH" sz="2400" dirty="0" smtClean="0"/>
+              <a:t>Interagir avec un site web depuis sa propre interface</a:t>
+            </a:r>
+          </a:p>
+          <a:p>
+            <a:r>
+              <a:rPr lang="fr-CH" sz="2400" dirty="0" smtClean="0"/>
+              <a:t>Communication </a:t>
+            </a:r>
+            <a:r>
+              <a:rPr lang="fr-CH" sz="2400" dirty="0" smtClean="0"/>
+              <a:t>avec HTTP</a:t>
+            </a:r>
+          </a:p>
+          <a:p>
+            <a:r>
+              <a:rPr lang="fr-CH" sz="2400" dirty="0" smtClean="0"/>
+              <a:t>GET / POST</a:t>
+            </a:r>
+          </a:p>
+          <a:p>
+            <a:r>
+              <a:rPr lang="fr-CH" sz="2400" dirty="0" smtClean="0"/>
+              <a:t>REST</a:t>
+            </a:r>
+          </a:p>
+          <a:p>
+            <a:r>
+              <a:rPr lang="fr-CH" sz="2400" dirty="0" smtClean="0"/>
+              <a:t>JSON</a:t>
+            </a:r>
+            <a:endParaRPr lang="fr-CH" sz="2400" dirty="0"/>
+          </a:p>
+        </p:txBody>
+      </p:sp>
+      <p:sp>
+        <p:nvSpPr>
+          <p:cNvPr id="4" name="Espace réservé du pied de page 3"/>
+          <p:cNvSpPr>
+            <a:spLocks noGrp="1"/>
+          </p:cNvSpPr>
+          <p:nvPr>
+            <p:ph type="ftr" sz="quarter" idx="11"/>
+          </p:nvPr>
+        </p:nvSpPr>
+        <p:spPr/>
+        <p:txBody>
           <a:bodyPr/>
           <a:lstStyle/>
           <a:p>
-            <a:endParaRPr lang="fr-CH"/>
+            <a:r>
+              <a:rPr lang="en-US" smtClean="0"/>
+              <a:t>27.04.2017</a:t>
+            </a:r>
+            <a:endParaRPr lang="en-US" dirty="0"/>
           </a:p>
         </p:txBody>
       </p:sp>
@@ -14687,10 +15358,69 @@
         </p:nvSpPr>
         <p:spPr/>
         <p:txBody>
+          <a:bodyPr>
+            <a:normAutofit/>
+          </a:bodyPr>
+          <a:lstStyle/>
+          <a:p>
+            <a:r>
+              <a:rPr lang="fr-CH" sz="2400" dirty="0" smtClean="0"/>
+              <a:t>Se documenter sur le concept API REST</a:t>
+            </a:r>
+          </a:p>
+          <a:p>
+            <a:r>
+              <a:rPr lang="fr-CH" sz="2400" dirty="0" smtClean="0"/>
+              <a:t>Création de l’interface graphique</a:t>
+            </a:r>
+          </a:p>
+          <a:p>
+            <a:r>
+              <a:rPr lang="fr-CH" sz="2400" dirty="0" smtClean="0"/>
+              <a:t>Poster un tweet</a:t>
+            </a:r>
+          </a:p>
+          <a:p>
+            <a:r>
+              <a:rPr lang="fr-CH" sz="2400" dirty="0" smtClean="0"/>
+              <a:t>Autres fonctionnalités</a:t>
+            </a:r>
+          </a:p>
+          <a:p>
+            <a:r>
+              <a:rPr lang="fr-CH" sz="2400" dirty="0" smtClean="0"/>
+              <a:t>Sauvegarde des tweets</a:t>
+            </a:r>
+          </a:p>
+          <a:p>
+            <a:r>
+              <a:rPr lang="fr-CH" sz="2400" dirty="0" smtClean="0"/>
+              <a:t>Gestion d’images</a:t>
+            </a:r>
+            <a:endParaRPr lang="fr-CH" sz="2400" dirty="0"/>
+          </a:p>
+        </p:txBody>
+      </p:sp>
+      <p:sp>
+        <p:nvSpPr>
+          <p:cNvPr id="4" name="Espace réservé du pied de page 3"/>
+          <p:cNvSpPr>
+            <a:spLocks noGrp="1"/>
+          </p:cNvSpPr>
+          <p:nvPr>
+            <p:ph type="ftr" sz="quarter" idx="11"/>
+          </p:nvPr>
+        </p:nvSpPr>
+        <p:spPr/>
+        <p:txBody>
           <a:bodyPr/>
           <a:lstStyle/>
           <a:p>
-            <a:endParaRPr lang="fr-CH"/>
+            <a:r>
+              <a:rPr lang="en-US" smtClean="0"/>
+              <a:t>27.04.2017</a:t>
+            </a:r>
+            <a:endParaRPr lang="en-US" dirty="0"/>
           </a:p>
         </p:txBody>
       </p:sp>
@@ -14759,10 +15489,68 @@
         </p:nvSpPr>
         <p:spPr/>
         <p:txBody>
+          <a:bodyPr>
+            <a:normAutofit/>
+          </a:bodyPr>
+          <a:lstStyle/>
+          <a:p>
+            <a:r>
+              <a:rPr lang="fr-CH" sz="2400" dirty="0" smtClean="0"/>
+              <a:t>Erreur  HTTP 401</a:t>
+            </a:r>
+          </a:p>
+          <a:p>
+            <a:pPr lvl="1"/>
+            <a:r>
+              <a:rPr lang="fr-CH" sz="2000" dirty="0" smtClean="0"/>
+              <a:t>Généralement : Mauvais </a:t>
+            </a:r>
+            <a:r>
+              <a:rPr lang="fr-CH" sz="2000" dirty="0" smtClean="0"/>
+              <a:t>lien, paramètres</a:t>
+            </a:r>
+            <a:endParaRPr lang="fr-CH" sz="2000" dirty="0" smtClean="0"/>
+          </a:p>
+          <a:p>
+            <a:pPr lvl="1"/>
+            <a:r>
+              <a:rPr lang="fr-CH" sz="2000" dirty="0" smtClean="0"/>
+              <a:t>Aimer / Ne plus aimer : Cause inconnue </a:t>
+            </a:r>
+            <a:r>
+              <a:rPr lang="fr-CH" sz="2000" dirty="0" smtClean="0">
+                <a:sym typeface="Wingdings" panose="05000000000000000000" pitchFamily="2" charset="2"/>
+              </a:rPr>
+              <a:t> Autres fonctionnalités</a:t>
+            </a:r>
+            <a:r>
+              <a:rPr lang="fr-CH" sz="2000" dirty="0" smtClean="0"/>
+              <a:t> </a:t>
+            </a:r>
+            <a:endParaRPr lang="fr-CH" sz="2000" dirty="0"/>
+          </a:p>
+        </p:txBody>
+      </p:sp>
+      <p:sp>
+        <p:nvSpPr>
+          <p:cNvPr id="4" name="Espace réservé du pied de page 3"/>
+          <p:cNvSpPr>
+            <a:spLocks noGrp="1"/>
+          </p:cNvSpPr>
+          <p:nvPr>
+            <p:ph type="ftr" sz="quarter" idx="11"/>
+          </p:nvPr>
+        </p:nvSpPr>
+        <p:spPr/>
+        <p:txBody>
           <a:bodyPr/>
           <a:lstStyle/>
           <a:p>
-            <a:endParaRPr lang="fr-CH"/>
+            <a:r>
+              <a:rPr lang="en-US" smtClean="0"/>
+              <a:t>27.04.2017</a:t>
+            </a:r>
+            <a:endParaRPr lang="en-US" dirty="0"/>
           </a:p>
         </p:txBody>
       </p:sp>
@@ -14831,10 +15619,76 @@
         </p:nvSpPr>
         <p:spPr/>
         <p:txBody>
+          <a:bodyPr>
+            <a:normAutofit/>
+          </a:bodyPr>
+          <a:lstStyle/>
+          <a:p>
+            <a:r>
+              <a:rPr lang="fr-CH" sz="2400" dirty="0" smtClean="0"/>
+              <a:t>Nouvelles notions</a:t>
+            </a:r>
+          </a:p>
+          <a:p>
+            <a:r>
+              <a:rPr lang="fr-CH" sz="2400" dirty="0" smtClean="0"/>
+              <a:t>Intéressant</a:t>
+            </a:r>
+          </a:p>
+          <a:p>
+            <a:r>
+              <a:rPr lang="fr-CH" sz="2400" dirty="0" smtClean="0"/>
+              <a:t>Planification à </a:t>
+            </a:r>
+            <a:r>
+              <a:rPr lang="fr-CH" sz="2400" dirty="0" smtClean="0"/>
+              <a:t>améliorer</a:t>
+            </a:r>
+          </a:p>
+          <a:p>
+            <a:endParaRPr lang="fr-CH" sz="2400" dirty="0"/>
+          </a:p>
+          <a:p>
+            <a:r>
+              <a:rPr lang="fr-CH" sz="2400" dirty="0" smtClean="0"/>
+              <a:t>Pouvoir s’abonner / se désabonner</a:t>
+            </a:r>
+          </a:p>
+          <a:p>
+            <a:r>
+              <a:rPr lang="fr-CH" sz="2400" dirty="0" smtClean="0"/>
+              <a:t>Tweeter des médias</a:t>
+            </a:r>
+          </a:p>
+          <a:p>
+            <a:r>
+              <a:rPr lang="fr-CH" sz="2400" dirty="0" smtClean="0"/>
+              <a:t>Correction erreur aimer / ne plus aimer</a:t>
+            </a:r>
+            <a:endParaRPr lang="fr-CH" sz="2400" dirty="0"/>
+          </a:p>
+        </p:txBody>
+      </p:sp>
+      <p:sp>
+        <p:nvSpPr>
+          <p:cNvPr id="4" name="Espace réservé du pied de page 3"/>
+          <p:cNvSpPr>
+            <a:spLocks noGrp="1"/>
+          </p:cNvSpPr>
+          <p:nvPr>
+            <p:ph type="ftr" sz="quarter" idx="11"/>
+          </p:nvPr>
+        </p:nvSpPr>
+        <p:spPr/>
+        <p:txBody>
           <a:bodyPr/>
           <a:lstStyle/>
           <a:p>
-            <a:endParaRPr lang="fr-CH"/>
+            <a:r>
+              <a:rPr lang="en-US" smtClean="0"/>
+              <a:t>27.04.2017</a:t>
+            </a:r>
+            <a:endParaRPr lang="en-US" dirty="0"/>
           </a:p>
         </p:txBody>
       </p:sp>
@@ -15112,4 +15966,265 @@
     </a:ext>
   </a:extLst>
 </a:theme>
+</file>
+
+<file path=ppt/theme/theme2.xml><?xml version="1.0" encoding="utf-8"?>
+<a:theme xmlns:a="http://schemas.openxmlformats.org/drawingml/2006/main" name="Thème Office">
+  <a:themeElements>
+    <a:clrScheme name="Office">
+      <a:dk1>
+        <a:sysClr val="windowText" lastClr="000000"/>
+      </a:dk1>
+      <a:lt1>
+        <a:sysClr val="window" lastClr="FFFFFF"/>
+      </a:lt1>
+      <a:dk2>
+        <a:srgbClr val="44546A"/>
+      </a:dk2>
+      <a:lt2>
+        <a:srgbClr val="E7E6E6"/>
+      </a:lt2>
+      <a:accent1>
+        <a:srgbClr val="5B9BD5"/>
+      </a:accent1>
+      <a:accent2>
+        <a:srgbClr val="ED7D31"/>
+      </a:accent2>
+      <a:accent3>
+        <a:srgbClr val="A5A5A5"/>
+      </a:accent3>
+      <a:accent4>
+        <a:srgbClr val="FFC000"/>
+      </a:accent4>
+      <a:accent5>
+        <a:srgbClr val="4472C4"/>
+      </a:accent5>
+      <a:accent6>
+        <a:srgbClr val="70AD47"/>
+      </a:accent6>
+      <a:hlink>
+        <a:srgbClr val="0563C1"/>
+      </a:hlink>
+      <a:folHlink>
+        <a:srgbClr val="954F72"/>
+      </a:folHlink>
+    </a:clrScheme>
+    <a:fontScheme name="Office">
+      <a:majorFont>
+        <a:latin typeface="Calibri Light" panose="020F0302020204030204"/>
+        <a:ea typeface=""/>
+        <a:cs typeface=""/>
+        <a:font script="Jpan" typeface="游ゴシック Light"/>
+        <a:font script="Hang" typeface="맑은 고딕"/>
+        <a:font script="Hans" typeface="等线 Light"/>
+        <a:font script="Hant" typeface="新細明體"/>
+        <a:font script="Arab" typeface="Times New Roman"/>
+        <a:font script="Hebr" typeface="Times New Roman"/>
+        <a:font script="Thai" typeface="Angsana New"/>
+        <a:font script="Ethi" typeface="Nyala"/>
+        <a:font script="Beng" typeface="Vrinda"/>
+        <a:font script="Gujr" typeface="Shruti"/>
+        <a:font script="Khmr" typeface="MoolBoran"/>
+        <a:font script="Knda" typeface="Tunga"/>
+        <a:font script="Guru" typeface="Raavi"/>
+        <a:font script="Cans" typeface="Euphemia"/>
+        <a:font script="Cher" typeface="Plantagenet Cherokee"/>
+        <a:font script="Yiii" typeface="Microsoft Yi Baiti"/>
+        <a:font script="Tibt" typeface="Microsoft Himalaya"/>
+        <a:font script="Thaa" typeface="MV Boli"/>
+        <a:font script="Deva" typeface="Mangal"/>
+        <a:font script="Telu" typeface="Gautami"/>
+        <a:font script="Taml" typeface="Latha"/>
+        <a:font script="Syrc" typeface="Estrangelo Edessa"/>
+        <a:font script="Orya" typeface="Kalinga"/>
+        <a:font script="Mlym" typeface="Kartika"/>
+        <a:font script="Laoo" typeface="DokChampa"/>
+        <a:font script="Sinh" typeface="Iskoola Pota"/>
+        <a:font script="Mong" typeface="Mongolian Baiti"/>
+        <a:font script="Viet" typeface="Times New Roman"/>
+        <a:font script="Uigh" typeface="Microsoft Uighur"/>
+        <a:font script="Geor" typeface="Sylfaen"/>
+      </a:majorFont>
+      <a:minorFont>
+        <a:latin typeface="Calibri" panose="020F0502020204030204"/>
+        <a:ea typeface=""/>
+        <a:cs typeface=""/>
+        <a:font script="Jpan" typeface="游ゴシック"/>
+        <a:font script="Hang" typeface="맑은 고딕"/>
+        <a:font script="Hans" typeface="等线"/>
+        <a:font script="Hant" typeface="新細明體"/>
+        <a:font script="Arab" typeface="Arial"/>
+        <a:font script="Hebr" typeface="Arial"/>
+        <a:font script="Thai" typeface="Cordia New"/>
+        <a:font script="Ethi" typeface="Nyala"/>
+        <a:font script="Beng" typeface="Vrinda"/>
+        <a:font script="Gujr" typeface="Shruti"/>
+        <a:font script="Khmr" typeface="DaunPenh"/>
+        <a:font script="Knda" typeface="Tunga"/>
+        <a:font script="Guru" typeface="Raavi"/>
+        <a:font script="Cans" typeface="Euphemia"/>
+        <a:font script="Cher" typeface="Plantagenet Cherokee"/>
+        <a:font script="Yiii" typeface="Microsoft Yi Baiti"/>
+        <a:font script="Tibt" typeface="Microsoft Himalaya"/>
+        <a:font script="Thaa" typeface="MV Boli"/>
+        <a:font script="Deva" typeface="Mangal"/>
+        <a:font script="Telu" typeface="Gautami"/>
+        <a:font script="Taml" typeface="Latha"/>
+        <a:font script="Syrc" typeface="Estrangelo Edessa"/>
+        <a:font script="Orya" typeface="Kalinga"/>
+        <a:font script="Mlym" typeface="Kartika"/>
+        <a:font script="Laoo" typeface="DokChampa"/>
+        <a:font script="Sinh" typeface="Iskoola Pota"/>
+        <a:font script="Mong" typeface="Mongolian Baiti"/>
+        <a:font script="Viet" typeface="Arial"/>
+        <a:font script="Uigh" typeface="Microsoft Uighur"/>
+        <a:font script="Geor" typeface="Sylfaen"/>
+      </a:minorFont>
+    </a:fontScheme>
+    <a:fmtScheme name="Office">
+      <a:fillStyleLst>
+        <a:solidFill>
+          <a:schemeClr val="phClr"/>
+        </a:solidFill>
+        <a:gradFill rotWithShape="1">
+          <a:gsLst>
+            <a:gs pos="0">
+              <a:schemeClr val="phClr">
+                <a:lumMod val="110000"/>
+                <a:satMod val="105000"/>
+                <a:tint val="67000"/>
+              </a:schemeClr>
+            </a:gs>
+            <a:gs pos="50000">
+              <a:schemeClr val="phClr">
+                <a:lumMod val="105000"/>
+                <a:satMod val="103000"/>
+                <a:tint val="73000"/>
+              </a:schemeClr>
+            </a:gs>
+            <a:gs pos="100000">
+              <a:schemeClr val="phClr">
+                <a:lumMod val="105000"/>
+                <a:satMod val="109000"/>
+                <a:tint val="81000"/>
+              </a:schemeClr>
+            </a:gs>
+          </a:gsLst>
+          <a:lin ang="5400000" scaled="0"/>
+        </a:gradFill>
+        <a:gradFill rotWithShape="1">
+          <a:gsLst>
+            <a:gs pos="0">
+              <a:schemeClr val="phClr">
+                <a:satMod val="103000"/>
+                <a:lumMod val="102000"/>
+                <a:tint val="94000"/>
+              </a:schemeClr>
+            </a:gs>
+            <a:gs pos="50000">
+              <a:schemeClr val="phClr">
+                <a:satMod val="110000"/>
+                <a:lumMod val="100000"/>
+                <a:shade val="100000"/>
+              </a:schemeClr>
+            </a:gs>
+            <a:gs pos="100000">
+              <a:schemeClr val="phClr">
+                <a:lumMod val="99000"/>
+                <a:satMod val="120000"/>
+                <a:shade val="78000"/>
+              </a:schemeClr>
+            </a:gs>
+          </a:gsLst>
+          <a:lin ang="5400000" scaled="0"/>
+        </a:gradFill>
+      </a:fillStyleLst>
+      <a:lnStyleLst>
+        <a:ln w="6350" cap="flat" cmpd="sng" algn="ctr">
+          <a:solidFill>
+            <a:schemeClr val="phClr"/>
+          </a:solidFill>
+          <a:prstDash val="solid"/>
+          <a:miter lim="800000"/>
+        </a:ln>
+        <a:ln w="12700" cap="flat" cmpd="sng" algn="ctr">
+          <a:solidFill>
+            <a:schemeClr val="phClr"/>
+          </a:solidFill>
+          <a:prstDash val="solid"/>
+          <a:miter lim="800000"/>
+        </a:ln>
+        <a:ln w="19050" cap="flat" cmpd="sng" algn="ctr">
+          <a:solidFill>
+            <a:schemeClr val="phClr"/>
+          </a:solidFill>
+          <a:prstDash val="solid"/>
+          <a:miter lim="800000"/>
+        </a:ln>
+      </a:lnStyleLst>
+      <a:effectStyleLst>
+        <a:effectStyle>
+          <a:effectLst/>
+        </a:effectStyle>
+        <a:effectStyle>
+          <a:effectLst/>
+        </a:effectStyle>
+        <a:effectStyle>
+          <a:effectLst>
+            <a:outerShdw blurRad="57150" dist="19050" dir="5400000" algn="ctr" rotWithShape="0">
+              <a:srgbClr val="000000">
+                <a:alpha val="63000"/>
+              </a:srgbClr>
+            </a:outerShdw>
+          </a:effectLst>
+        </a:effectStyle>
+      </a:effectStyleLst>
+      <a:bgFillStyleLst>
+        <a:solidFill>
+          <a:schemeClr val="phClr"/>
+        </a:solidFill>
+        <a:solidFill>
+          <a:schemeClr val="phClr">
+            <a:tint val="95000"/>
+            <a:satMod val="170000"/>
+          </a:schemeClr>
+        </a:solidFill>
+        <a:gradFill rotWithShape="1">
+          <a:gsLst>
+            <a:gs pos="0">
+              <a:schemeClr val="phClr">
+                <a:tint val="93000"/>
+                <a:satMod val="150000"/>
+                <a:shade val="98000"/>
+                <a:lumMod val="102000"/>
+              </a:schemeClr>
+            </a:gs>
+            <a:gs pos="50000">
+              <a:schemeClr val="phClr">
+                <a:tint val="98000"/>
+                <a:satMod val="130000"/>
+                <a:shade val="90000"/>
+                <a:lumMod val="103000"/>
+              </a:schemeClr>
+            </a:gs>
+            <a:gs pos="100000">
+              <a:schemeClr val="phClr">
+                <a:shade val="63000"/>
+                <a:satMod val="120000"/>
+              </a:schemeClr>
+            </a:gs>
+          </a:gsLst>
+          <a:lin ang="5400000" scaled="0"/>
+        </a:gradFill>
+      </a:bgFillStyleLst>
+    </a:fmtScheme>
+  </a:themeElements>
+  <a:objectDefaults/>
+  <a:extraClrSchemeLst/>
+  <a:extLst>
+    <a:ext uri="{05A4C25C-085E-4340-85A3-A5531E510DB2}">
+      <thm15:themeFamily xmlns:thm15="http://schemas.microsoft.com/office/thememl/2012/main" name="Office Theme" id="{62F939B6-93AF-4DB8-9C6B-D6C7DFDC589F}" vid="{4A3C46E8-61CC-4603-A589-7422A47A8E4A}"/>
+    </a:ext>
+  </a:extLst>
+</a:theme>
 </file>
--- a/Docs/P-P_Appro2-savaryal-ClientTwitter.pptx
+++ b/Docs/P-P_Appro2-savaryal-ClientTwitter.pptx
@@ -204,7 +204,7 @@
           <a:p>
             <a:fld id="{F5FE68CA-7A1C-434C-94A2-BA748AD3460F}" type="datetimeFigureOut">
               <a:rPr lang="fr-CH" smtClean="0"/>
-              <a:t>26.04.2017</a:t>
+              <a:t>27.04.2017</a:t>
             </a:fld>
             <a:endParaRPr lang="fr-CH"/>
           </a:p>
@@ -1161,7 +1161,7 @@
           <a:p>
             <a:fld id="{6068EDC7-9A34-4106-9CDE-234C56D1D33F}" type="datetime1">
               <a:rPr lang="en-US" smtClean="0"/>
-              <a:t>4/26/2017</a:t>
+              <a:t>4/27/2017</a:t>
             </a:fld>
             <a:endParaRPr lang="en-US" dirty="0"/>
           </a:p>
@@ -2322,7 +2322,7 @@
           <a:p>
             <a:fld id="{8DEA92C3-9762-47BD-9E81-9BA7B20C565D}" type="datetime1">
               <a:rPr lang="en-US" smtClean="0"/>
-              <a:t>4/26/2017</a:t>
+              <a:t>4/27/2017</a:t>
             </a:fld>
             <a:endParaRPr lang="en-US" dirty="0"/>
           </a:p>
@@ -3376,7 +3376,7 @@
           <a:p>
             <a:fld id="{463C22C2-7EA4-4DF9-926C-52BD3662F733}" type="datetime1">
               <a:rPr lang="en-US" smtClean="0"/>
-              <a:t>4/26/2017</a:t>
+              <a:t>4/27/2017</a:t>
             </a:fld>
             <a:endParaRPr lang="en-US" dirty="0"/>
           </a:p>
@@ -4589,7 +4589,7 @@
           <a:p>
             <a:fld id="{9E6A75DB-7E45-44BF-9445-296F671B94ED}" type="datetime1">
               <a:rPr lang="en-US" smtClean="0"/>
-              <a:t>4/26/2017</a:t>
+              <a:t>4/27/2017</a:t>
             </a:fld>
             <a:endParaRPr lang="en-US" dirty="0"/>
           </a:p>
@@ -5693,7 +5693,7 @@
           <a:p>
             <a:fld id="{9301E342-D0F6-4047-A7D0-F99587C50DF3}" type="datetime1">
               <a:rPr lang="en-US" smtClean="0"/>
-              <a:t>4/26/2017</a:t>
+              <a:t>4/27/2017</a:t>
             </a:fld>
             <a:endParaRPr lang="en-US" dirty="0"/>
           </a:p>
@@ -6345,7 +6345,7 @@
           <a:p>
             <a:fld id="{F3815C40-0368-4CA8-BFFD-A0AF103AF223}" type="datetime1">
               <a:rPr lang="en-US" smtClean="0"/>
-              <a:t>4/26/2017</a:t>
+              <a:t>4/27/2017</a:t>
             </a:fld>
             <a:endParaRPr lang="en-US" dirty="0"/>
           </a:p>
@@ -7192,7 +7192,7 @@
           <a:p>
             <a:fld id="{B01F7B14-54F1-45E8-A3C2-6AF534D099F6}" type="datetime1">
               <a:rPr lang="en-US" smtClean="0"/>
-              <a:t>4/26/2017</a:t>
+              <a:t>4/27/2017</a:t>
             </a:fld>
             <a:endParaRPr lang="en-US" dirty="0"/>
           </a:p>
@@ -7377,7 +7377,7 @@
           <a:p>
             <a:fld id="{5A70E458-FB37-4C86-83E5-B7C5A4AFC944}" type="datetime1">
               <a:rPr lang="en-US" smtClean="0"/>
-              <a:t>4/26/2017</a:t>
+              <a:t>4/27/2017</a:t>
             </a:fld>
             <a:endParaRPr lang="en-US" dirty="0"/>
           </a:p>
@@ -8418,7 +8418,7 @@
           <a:p>
             <a:fld id="{6DC6822C-EC97-4A1E-9584-496E03345ECE}" type="datetime1">
               <a:rPr lang="en-US" smtClean="0"/>
-              <a:t>4/26/2017</a:t>
+              <a:t>4/27/2017</a:t>
             </a:fld>
             <a:endParaRPr lang="en-US" dirty="0"/>
           </a:p>
@@ -8634,7 +8634,7 @@
           <a:p>
             <a:fld id="{7867998A-7168-42CD-A22B-745E76B236BE}" type="datetime1">
               <a:rPr lang="en-US" smtClean="0"/>
-              <a:t>4/26/2017</a:t>
+              <a:t>4/27/2017</a:t>
             </a:fld>
             <a:endParaRPr lang="en-US" dirty="0"/>
           </a:p>
@@ -9739,7 +9739,7 @@
           <a:p>
             <a:fld id="{8582F2B4-BAAA-4BE7-AE4E-95F875B49342}" type="datetime1">
               <a:rPr lang="en-US" smtClean="0"/>
-              <a:t>4/26/2017</a:t>
+              <a:t>4/27/2017</a:t>
             </a:fld>
             <a:endParaRPr lang="en-US" dirty="0"/>
           </a:p>
@@ -10011,7 +10011,7 @@
           <a:p>
             <a:fld id="{37FF163F-612E-4AC9-A3D0-30E1D10DCF82}" type="datetime1">
               <a:rPr lang="en-US" smtClean="0"/>
-              <a:t>4/26/2017</a:t>
+              <a:t>4/27/2017</a:t>
             </a:fld>
             <a:endParaRPr lang="en-US" dirty="0"/>
           </a:p>
@@ -10393,7 +10393,7 @@
           <a:p>
             <a:fld id="{DADE938C-80E2-4660-A88C-2D1C731AD82C}" type="datetime1">
               <a:rPr lang="en-US" smtClean="0"/>
-              <a:t>4/26/2017</a:t>
+              <a:t>4/27/2017</a:t>
             </a:fld>
             <a:endParaRPr lang="en-US" dirty="0"/>
           </a:p>
@@ -10511,7 +10511,7 @@
           <a:p>
             <a:fld id="{4F802D82-8492-4C24-AFB0-49B0280ECF0B}" type="datetime1">
               <a:rPr lang="en-US" smtClean="0"/>
-              <a:t>4/26/2017</a:t>
+              <a:t>4/27/2017</a:t>
             </a:fld>
             <a:endParaRPr lang="en-US" dirty="0"/>
           </a:p>
@@ -10606,7 +10606,7 @@
           <a:p>
             <a:fld id="{0597BE7C-1047-47EF-B4A4-05DB0DC84BF4}" type="datetime1">
               <a:rPr lang="en-US" smtClean="0"/>
-              <a:t>4/26/2017</a:t>
+              <a:t>4/27/2017</a:t>
             </a:fld>
             <a:endParaRPr lang="en-US" dirty="0"/>
           </a:p>
@@ -11758,7 +11758,7 @@
           <a:p>
             <a:fld id="{FC9D9BBF-1CB3-46A6-AF5E-CAD0A91CAF26}" type="datetime1">
               <a:rPr lang="en-US" smtClean="0"/>
-              <a:t>4/26/2017</a:t>
+              <a:t>4/27/2017</a:t>
             </a:fld>
             <a:endParaRPr lang="en-US" dirty="0"/>
           </a:p>
@@ -12934,7 +12934,7 @@
           <a:p>
             <a:fld id="{ED6AD866-8711-43A9-A9ED-8CE775925362}" type="datetime1">
               <a:rPr lang="en-US" smtClean="0"/>
-              <a:t>4/26/2017</a:t>
+              <a:t>4/27/2017</a:t>
             </a:fld>
             <a:endParaRPr lang="en-US" dirty="0"/>
           </a:p>
@@ -14044,7 +14044,7 @@
           <a:p>
             <a:fld id="{F100E650-A824-479F-B07B-6F97BB653EDC}" type="datetime1">
               <a:rPr lang="en-US" smtClean="0"/>
-              <a:t>4/26/2017</a:t>
+              <a:t>4/27/2017</a:t>
             </a:fld>
             <a:endParaRPr lang="en-US" dirty="0"/>
           </a:p>
@@ -15085,8 +15085,8 @@
         </p:blipFill>
         <p:spPr>
           <a:xfrm>
-            <a:off x="3671200" y="2603500"/>
-            <a:ext cx="4849600" cy="3863802"/>
+            <a:off x="5917905" y="2266174"/>
+            <a:ext cx="5178274" cy="4125665"/>
           </a:xfrm>
           <a:prstGeom prst="rect">
             <a:avLst/>
@@ -15124,8 +15124,86 @@
         </p:nvSpPr>
         <p:spPr>
           <a:xfrm>
-            <a:off x="8520800" y="2528515"/>
-            <a:ext cx="45719" cy="3938787"/>
+            <a:off x="11638078" y="2291115"/>
+            <a:ext cx="45719" cy="4550526"/>
+          </a:xfrm>
+          <a:prstGeom prst="rect">
+            <a:avLst/>
+          </a:prstGeom>
+          <a:solidFill>
+            <a:schemeClr val="bg1"/>
+          </a:solidFill>
+          <a:ln>
+            <a:solidFill>
+              <a:schemeClr val="bg1"/>
+            </a:solidFill>
+          </a:ln>
+        </p:spPr>
+        <p:style>
+          <a:lnRef idx="2">
+            <a:schemeClr val="accent1">
+              <a:shade val="50000"/>
+            </a:schemeClr>
+          </a:lnRef>
+          <a:fillRef idx="1">
+            <a:schemeClr val="accent1"/>
+          </a:fillRef>
+          <a:effectRef idx="0">
+            <a:schemeClr val="accent1"/>
+          </a:effectRef>
+          <a:fontRef idx="minor">
+            <a:schemeClr val="lt1"/>
+          </a:fontRef>
+        </p:style>
+        <p:txBody>
+          <a:bodyPr rtlCol="0" anchor="ctr"/>
+          <a:lstStyle/>
+          <a:p>
+            <a:pPr algn="ctr"/>
+            <a:endParaRPr lang="fr-CH"/>
+          </a:p>
+        </p:txBody>
+      </p:sp>
+      <p:pic>
+        <p:nvPicPr>
+          <p:cNvPr id="8" name="Image 7"/>
+          <p:cNvPicPr>
+            <a:picLocks noChangeAspect="1"/>
+          </p:cNvPicPr>
+          <p:nvPr/>
+        </p:nvPicPr>
+        <p:blipFill>
+          <a:blip r:embed="rId3">
+            <a:extLst>
+              <a:ext uri="{28A0092B-C50C-407E-A947-70E740481C1C}">
+                <a14:useLocalDpi xmlns:a14="http://schemas.microsoft.com/office/drawing/2010/main" val="0"/>
+              </a:ext>
+            </a:extLst>
+          </a:blip>
+          <a:stretch>
+            <a:fillRect/>
+          </a:stretch>
+        </p:blipFill>
+        <p:spPr>
+          <a:xfrm>
+            <a:off x="561111" y="2291115"/>
+            <a:ext cx="4222682" cy="4004397"/>
+          </a:xfrm>
+          <a:prstGeom prst="rect">
+            <a:avLst/>
+          </a:prstGeom>
+        </p:spPr>
+      </p:pic>
+      <p:sp>
+        <p:nvSpPr>
+          <p:cNvPr id="9" name="Rectangle 8"/>
+          <p:cNvSpPr/>
+          <p:nvPr/>
+        </p:nvSpPr>
+        <p:spPr>
+          <a:xfrm>
+            <a:off x="11097494" y="2211185"/>
+            <a:ext cx="124691" cy="4222866"/>
           </a:xfrm>
           <a:prstGeom prst="rect">
             <a:avLst/>
@@ -15242,11 +15320,7 @@
           <a:p>
             <a:r>
               <a:rPr lang="fr-CH" sz="2400" dirty="0" smtClean="0"/>
-              <a:t>Communication </a:t>
-            </a:r>
-            <a:r>
-              <a:rPr lang="fr-CH" sz="2400" dirty="0" smtClean="0"/>
-              <a:t>avec HTTP</a:t>
+              <a:t>Communication avec HTTP</a:t>
             </a:r>
           </a:p>
           <a:p>
@@ -15503,12 +15577,11 @@
             <a:pPr lvl="1"/>
             <a:r>
               <a:rPr lang="fr-CH" sz="2000" dirty="0" smtClean="0"/>
-              <a:t>Généralement : Mauvais </a:t>
-            </a:r>
-            <a:r>
-              <a:rPr lang="fr-CH" sz="2000" dirty="0" smtClean="0"/>
-              <a:t>lien, paramètres</a:t>
-            </a:r>
+              <a:t>Généralement : Mauvais lien, paramètres</a:t>
+            </a:r>
+          </a:p>
+          <a:p>
+            <a:pPr lvl="1"/>
             <a:endParaRPr lang="fr-CH" sz="2000" dirty="0" smtClean="0"/>
           </a:p>
           <a:p>
@@ -15638,11 +15711,7 @@
           <a:p>
             <a:r>
               <a:rPr lang="fr-CH" sz="2400" dirty="0" smtClean="0"/>
-              <a:t>Planification à </a:t>
-            </a:r>
-            <a:r>
-              <a:rPr lang="fr-CH" sz="2400" dirty="0" smtClean="0"/>
-              <a:t>améliorer</a:t>
+              <a:t>Planification à améliorer</a:t>
             </a:r>
           </a:p>
           <a:p>
